--- a/courses/avd/lecture4.pptx
+++ b/courses/avd/lecture4.pptx
@@ -270,7 +270,7 @@
             <a:fld id="{CB44B6B1-5441-9644-AE1C-BB7EA5DBA264}" type="datetimeFigureOut">
               <a:rPr lang="en-US" smtClean="0"/>
               <a:pPr/>
-              <a:t>9/23/20</a:t>
+              <a:t>10/8/20</a:t>
             </a:fld>
             <a:endParaRPr lang="en-US"/>
           </a:p>
@@ -438,7 +438,7 @@
             <a:fld id="{41878819-472C-A14B-95BF-39C94BA106B2}" type="datetimeFigureOut">
               <a:rPr lang="en-US" smtClean="0"/>
               <a:pPr/>
-              <a:t>9/23/20</a:t>
+              <a:t>10/8/20</a:t>
             </a:fld>
             <a:endParaRPr lang="en-US"/>
           </a:p>
@@ -6380,22 +6380,20 @@
           </a:p>
           <a:p>
             <a:r>
+              <a:rPr lang="en-US" b="1">
+                <a:solidFill>
+                  <a:schemeClr val="folHlink"/>
+                </a:solidFill>
+              </a:rPr>
+              <a:t>Assignment </a:t>
+            </a:r>
+            <a:r>
               <a:rPr lang="en-US" b="1" dirty="0">
                 <a:solidFill>
                   <a:schemeClr val="folHlink"/>
                 </a:solidFill>
               </a:rPr>
-              <a:t>Ajax introduction</a:t>
-            </a:r>
-          </a:p>
-          <a:p>
-            <a:r>
-              <a:rPr lang="en-US" b="1" dirty="0">
-                <a:solidFill>
-                  <a:schemeClr val="folHlink"/>
-                </a:solidFill>
-              </a:rPr>
-              <a:t>Assignment 1</a:t>
+              <a:t>1</a:t>
             </a:r>
           </a:p>
           <a:p>
